--- a/amy-lectures/Ecological_forecasting.pptx
+++ b/amy-lectures/Ecological_forecasting.pptx
@@ -5,7 +5,7 @@
     <p:sldMasterId id="2147483648" r:id="rId1"/>
   </p:sldMasterIdLst>
   <p:notesMasterIdLst>
-    <p:notesMasterId r:id="rId17"/>
+    <p:notesMasterId r:id="rId18"/>
   </p:notesMasterIdLst>
   <p:sldIdLst>
     <p:sldId id="256" r:id="rId2"/>
@@ -22,7 +22,8 @@
     <p:sldId id="298" r:id="rId13"/>
     <p:sldId id="257" r:id="rId14"/>
     <p:sldId id="293" r:id="rId15"/>
-    <p:sldId id="302" r:id="rId16"/>
+    <p:sldId id="307" r:id="rId16"/>
+    <p:sldId id="302" r:id="rId17"/>
   </p:sldIdLst>
   <p:sldSz cx="12192000" cy="6858000"/>
   <p:notesSz cx="6858000" cy="9144000"/>
@@ -4946,6 +4947,232 @@
 </file>
 
 <file path=ppt/slides/slide15.xml><?xml version="1.0" encoding="utf-8"?>
+<p:sld xmlns:a="http://schemas.openxmlformats.org/drawingml/2006/main" xmlns:r="http://schemas.openxmlformats.org/officeDocument/2006/relationships" xmlns:p="http://schemas.openxmlformats.org/presentationml/2006/main">
+  <p:cSld>
+    <p:spTree>
+      <p:nvGrpSpPr>
+        <p:cNvPr id="1" name=""/>
+        <p:cNvGrpSpPr/>
+        <p:nvPr/>
+      </p:nvGrpSpPr>
+      <p:grpSpPr>
+        <a:xfrm>
+          <a:off x="0" y="0"/>
+          <a:ext cx="0" cy="0"/>
+          <a:chOff x="0" y="0"/>
+          <a:chExt cx="0" cy="0"/>
+        </a:xfrm>
+      </p:grpSpPr>
+      <p:sp>
+        <p:nvSpPr>
+          <p:cNvPr id="2" name="Title 1">
+            <a:extLst>
+              <a:ext uri="{FF2B5EF4-FFF2-40B4-BE49-F238E27FC236}">
+                <a16:creationId xmlns:a16="http://schemas.microsoft.com/office/drawing/2014/main" id="{9A6ED205-30B0-E38D-3AD1-AE25827B0D96}"/>
+              </a:ext>
+            </a:extLst>
+          </p:cNvPr>
+          <p:cNvSpPr>
+            <a:spLocks noGrp="1"/>
+          </p:cNvSpPr>
+          <p:nvPr>
+            <p:ph type="title"/>
+          </p:nvPr>
+        </p:nvSpPr>
+        <p:spPr/>
+        <p:txBody>
+          <a:bodyPr/>
+          <a:lstStyle/>
+          <a:p>
+            <a:r>
+              <a:rPr lang="en-US" dirty="0"/>
+              <a:t>Process-based vs. fit data</a:t>
+            </a:r>
+          </a:p>
+        </p:txBody>
+      </p:sp>
+      <p:sp>
+        <p:nvSpPr>
+          <p:cNvPr id="3" name="Content Placeholder 2">
+            <a:extLst>
+              <a:ext uri="{FF2B5EF4-FFF2-40B4-BE49-F238E27FC236}">
+                <a16:creationId xmlns:a16="http://schemas.microsoft.com/office/drawing/2014/main" id="{29995941-FC71-54B0-05B8-E05E264E7DC8}"/>
+              </a:ext>
+            </a:extLst>
+          </p:cNvPr>
+          <p:cNvSpPr>
+            <a:spLocks noGrp="1"/>
+          </p:cNvSpPr>
+          <p:nvPr>
+            <p:ph idx="1"/>
+          </p:nvPr>
+        </p:nvSpPr>
+        <p:spPr>
+          <a:xfrm>
+            <a:off x="228600" y="2456514"/>
+            <a:ext cx="11750040" cy="4383231"/>
+          </a:xfrm>
+        </p:spPr>
+        <p:txBody>
+          <a:bodyPr/>
+          <a:lstStyle/>
+          <a:p>
+            <a:pPr marL="0" indent="0">
+              <a:buNone/>
+            </a:pPr>
+            <a:r>
+              <a:rPr lang="en-US" dirty="0"/>
+              <a:t>The argument for process-based:</a:t>
+            </a:r>
+          </a:p>
+          <a:p>
+            <a:r>
+              <a:rPr lang="en-US" dirty="0"/>
+              <a:t>Decision-makers need a justification based on a process</a:t>
+            </a:r>
+          </a:p>
+          <a:p>
+            <a:r>
+              <a:rPr lang="en-US" dirty="0"/>
+              <a:t>Parameters have a meaning, useful derived </a:t>
+            </a:r>
+            <a:r>
+              <a:rPr lang="en-US"/>
+              <a:t>data products</a:t>
+            </a:r>
+            <a:endParaRPr lang="en-US" dirty="0"/>
+          </a:p>
+          <a:p>
+            <a:r>
+              <a:rPr lang="en-US" dirty="0"/>
+              <a:t>Out-of-sample prediction</a:t>
+            </a:r>
+          </a:p>
+          <a:p>
+            <a:r>
+              <a:rPr lang="en-US" dirty="0"/>
+              <a:t>Counterfactual</a:t>
+            </a:r>
+          </a:p>
+        </p:txBody>
+      </p:sp>
+      <p:sp>
+        <p:nvSpPr>
+          <p:cNvPr id="4" name="TextBox 3">
+            <a:extLst>
+              <a:ext uri="{FF2B5EF4-FFF2-40B4-BE49-F238E27FC236}">
+                <a16:creationId xmlns:a16="http://schemas.microsoft.com/office/drawing/2014/main" id="{8853EB3A-F373-64E9-6F9B-8B3E1E7ED41F}"/>
+              </a:ext>
+            </a:extLst>
+          </p:cNvPr>
+          <p:cNvSpPr txBox="1"/>
+          <p:nvPr/>
+        </p:nvSpPr>
+        <p:spPr>
+          <a:xfrm>
+            <a:off x="2041895" y="886854"/>
+            <a:ext cx="2829621" cy="1077218"/>
+          </a:xfrm>
+          <a:prstGeom prst="rect">
+            <a:avLst/>
+          </a:prstGeom>
+          <a:noFill/>
+        </p:spPr>
+        <p:txBody>
+          <a:bodyPr wrap="none" rtlCol="0">
+            <a:spAutoFit/>
+          </a:bodyPr>
+          <a:lstStyle/>
+          <a:p>
+            <a:r>
+              <a:rPr lang="en-US" sz="3200" dirty="0">
+                <a:latin typeface="Times New Roman" panose="02020603050405020304" pitchFamily="18" charset="0"/>
+                <a:cs typeface="Times New Roman" panose="02020603050405020304" pitchFamily="18" charset="0"/>
+              </a:rPr>
+              <a:t>Mechanistic</a:t>
+            </a:r>
+          </a:p>
+          <a:p>
+            <a:r>
+              <a:rPr lang="en-US" sz="3200" dirty="0">
+                <a:latin typeface="Times New Roman" panose="02020603050405020304" pitchFamily="18" charset="0"/>
+                <a:cs typeface="Times New Roman" panose="02020603050405020304" pitchFamily="18" charset="0"/>
+              </a:rPr>
+              <a:t>epidemiological</a:t>
+            </a:r>
+          </a:p>
+        </p:txBody>
+      </p:sp>
+      <p:sp>
+        <p:nvSpPr>
+          <p:cNvPr id="5" name="TextBox 4">
+            <a:extLst>
+              <a:ext uri="{FF2B5EF4-FFF2-40B4-BE49-F238E27FC236}">
+                <a16:creationId xmlns:a16="http://schemas.microsoft.com/office/drawing/2014/main" id="{D278DD8A-B918-5375-5655-9927B40461C1}"/>
+              </a:ext>
+            </a:extLst>
+          </p:cNvPr>
+          <p:cNvSpPr txBox="1"/>
+          <p:nvPr/>
+        </p:nvSpPr>
+        <p:spPr>
+          <a:xfrm>
+            <a:off x="7760849" y="886854"/>
+            <a:ext cx="3239990" cy="1569660"/>
+          </a:xfrm>
+          <a:prstGeom prst="rect">
+            <a:avLst/>
+          </a:prstGeom>
+          <a:noFill/>
+        </p:spPr>
+        <p:txBody>
+          <a:bodyPr wrap="none" rtlCol="0">
+            <a:spAutoFit/>
+          </a:bodyPr>
+          <a:lstStyle/>
+          <a:p>
+            <a:r>
+              <a:rPr lang="en-US" sz="3200" dirty="0">
+                <a:latin typeface="Times New Roman" panose="02020603050405020304" pitchFamily="18" charset="0"/>
+                <a:cs typeface="Times New Roman" panose="02020603050405020304" pitchFamily="18" charset="0"/>
+              </a:rPr>
+              <a:t>Phenomenological</a:t>
+            </a:r>
+          </a:p>
+          <a:p>
+            <a:r>
+              <a:rPr lang="en-US" sz="3200" dirty="0">
+                <a:latin typeface="Times New Roman" panose="02020603050405020304" pitchFamily="18" charset="0"/>
+                <a:cs typeface="Times New Roman" panose="02020603050405020304" pitchFamily="18" charset="0"/>
+              </a:rPr>
+              <a:t>Machine learning</a:t>
+            </a:r>
+          </a:p>
+          <a:p>
+            <a:r>
+              <a:rPr lang="en-US" sz="3200" dirty="0">
+                <a:latin typeface="Times New Roman" panose="02020603050405020304" pitchFamily="18" charset="0"/>
+                <a:cs typeface="Times New Roman" panose="02020603050405020304" pitchFamily="18" charset="0"/>
+              </a:rPr>
+              <a:t>Statistical</a:t>
+            </a:r>
+          </a:p>
+        </p:txBody>
+      </p:sp>
+    </p:spTree>
+    <p:extLst>
+      <p:ext uri="{BB962C8B-B14F-4D97-AF65-F5344CB8AC3E}">
+        <p14:creationId xmlns:p14="http://schemas.microsoft.com/office/powerpoint/2010/main" val="4192704330"/>
+      </p:ext>
+    </p:extLst>
+  </p:cSld>
+  <p:clrMapOvr>
+    <a:masterClrMapping/>
+  </p:clrMapOvr>
+</p:sld>
+</file>
+
+<file path=ppt/slides/slide16.xml><?xml version="1.0" encoding="utf-8"?>
 <p:sld xmlns:a="http://schemas.openxmlformats.org/drawingml/2006/main" xmlns:r="http://schemas.openxmlformats.org/officeDocument/2006/relationships" xmlns:p="http://schemas.openxmlformats.org/presentationml/2006/main">
   <p:cSld>
     <p:spTree>

--- a/amy-lectures/Ecological_forecasting.pptx
+++ b/amy-lectures/Ecological_forecasting.pptx
@@ -5,7 +5,7 @@
     <p:sldMasterId id="2147483648" r:id="rId1"/>
   </p:sldMasterIdLst>
   <p:notesMasterIdLst>
-    <p:notesMasterId r:id="rId18"/>
+    <p:notesMasterId r:id="rId20"/>
   </p:notesMasterIdLst>
   <p:sldIdLst>
     <p:sldId id="256" r:id="rId2"/>
@@ -16,14 +16,16 @@
     <p:sldId id="305" r:id="rId7"/>
     <p:sldId id="304" r:id="rId8"/>
     <p:sldId id="303" r:id="rId9"/>
-    <p:sldId id="297" r:id="rId10"/>
-    <p:sldId id="301" r:id="rId11"/>
-    <p:sldId id="306" r:id="rId12"/>
-    <p:sldId id="298" r:id="rId13"/>
-    <p:sldId id="257" r:id="rId14"/>
-    <p:sldId id="293" r:id="rId15"/>
-    <p:sldId id="307" r:id="rId16"/>
-    <p:sldId id="302" r:id="rId17"/>
+    <p:sldId id="308" r:id="rId10"/>
+    <p:sldId id="309" r:id="rId11"/>
+    <p:sldId id="297" r:id="rId12"/>
+    <p:sldId id="301" r:id="rId13"/>
+    <p:sldId id="306" r:id="rId14"/>
+    <p:sldId id="298" r:id="rId15"/>
+    <p:sldId id="257" r:id="rId16"/>
+    <p:sldId id="293" r:id="rId17"/>
+    <p:sldId id="307" r:id="rId18"/>
+    <p:sldId id="302" r:id="rId19"/>
   </p:sldIdLst>
   <p:sldSz cx="12192000" cy="6858000"/>
   <p:notesSz cx="6858000" cy="9144000"/>
@@ -212,7 +214,7 @@
           <a:p>
             <a:fld id="{4F607ABD-9BFA-4341-85EB-854238C078B1}" type="datetimeFigureOut">
               <a:rPr lang="en-US" smtClean="0"/>
-              <a:t>8/20/23</a:t>
+              <a:t>8/21/23</a:t>
             </a:fld>
             <a:endParaRPr lang="en-US" dirty="0"/>
           </a:p>
@@ -626,7 +628,7 @@
           <a:p>
             <a:fld id="{9BF60C95-0472-DE44-8980-673BD05BB60F}" type="datetimeFigureOut">
               <a:rPr lang="en-US" smtClean="0"/>
-              <a:t>8/20/23</a:t>
+              <a:t>8/21/23</a:t>
             </a:fld>
             <a:endParaRPr lang="en-US" dirty="0"/>
           </a:p>
@@ -824,7 +826,7 @@
           <a:p>
             <a:fld id="{9BF60C95-0472-DE44-8980-673BD05BB60F}" type="datetimeFigureOut">
               <a:rPr lang="en-US" smtClean="0"/>
-              <a:t>8/20/23</a:t>
+              <a:t>8/21/23</a:t>
             </a:fld>
             <a:endParaRPr lang="en-US" dirty="0"/>
           </a:p>
@@ -1032,7 +1034,7 @@
           <a:p>
             <a:fld id="{9BF60C95-0472-DE44-8980-673BD05BB60F}" type="datetimeFigureOut">
               <a:rPr lang="en-US" smtClean="0"/>
-              <a:t>8/20/23</a:t>
+              <a:t>8/21/23</a:t>
             </a:fld>
             <a:endParaRPr lang="en-US" dirty="0"/>
           </a:p>
@@ -1574,7 +1576,7 @@
           <a:p>
             <a:fld id="{9BF60C95-0472-DE44-8980-673BD05BB60F}" type="datetimeFigureOut">
               <a:rPr lang="en-US" smtClean="0"/>
-              <a:t>8/20/23</a:t>
+              <a:t>8/21/23</a:t>
             </a:fld>
             <a:endParaRPr lang="en-US" dirty="0"/>
           </a:p>
@@ -1839,7 +1841,7 @@
           <a:p>
             <a:fld id="{9BF60C95-0472-DE44-8980-673BD05BB60F}" type="datetimeFigureOut">
               <a:rPr lang="en-US" smtClean="0"/>
-              <a:t>8/20/23</a:t>
+              <a:t>8/21/23</a:t>
             </a:fld>
             <a:endParaRPr lang="en-US" dirty="0"/>
           </a:p>
@@ -2251,7 +2253,7 @@
           <a:p>
             <a:fld id="{9BF60C95-0472-DE44-8980-673BD05BB60F}" type="datetimeFigureOut">
               <a:rPr lang="en-US" smtClean="0"/>
-              <a:t>8/20/23</a:t>
+              <a:t>8/21/23</a:t>
             </a:fld>
             <a:endParaRPr lang="en-US" dirty="0"/>
           </a:p>
@@ -2392,7 +2394,7 @@
           <a:p>
             <a:fld id="{9BF60C95-0472-DE44-8980-673BD05BB60F}" type="datetimeFigureOut">
               <a:rPr lang="en-US" smtClean="0"/>
-              <a:t>8/20/23</a:t>
+              <a:t>8/21/23</a:t>
             </a:fld>
             <a:endParaRPr lang="en-US" dirty="0"/>
           </a:p>
@@ -2505,7 +2507,7 @@
           <a:p>
             <a:fld id="{9BF60C95-0472-DE44-8980-673BD05BB60F}" type="datetimeFigureOut">
               <a:rPr lang="en-US" smtClean="0"/>
-              <a:t>8/20/23</a:t>
+              <a:t>8/21/23</a:t>
             </a:fld>
             <a:endParaRPr lang="en-US" dirty="0"/>
           </a:p>
@@ -2816,7 +2818,7 @@
           <a:p>
             <a:fld id="{9BF60C95-0472-DE44-8980-673BD05BB60F}" type="datetimeFigureOut">
               <a:rPr lang="en-US" smtClean="0"/>
-              <a:t>8/20/23</a:t>
+              <a:t>8/21/23</a:t>
             </a:fld>
             <a:endParaRPr lang="en-US" dirty="0"/>
           </a:p>
@@ -3104,7 +3106,7 @@
           <a:p>
             <a:fld id="{9BF60C95-0472-DE44-8980-673BD05BB60F}" type="datetimeFigureOut">
               <a:rPr lang="en-US" smtClean="0"/>
-              <a:t>8/20/23</a:t>
+              <a:t>8/21/23</a:t>
             </a:fld>
             <a:endParaRPr lang="en-US" dirty="0"/>
           </a:p>
@@ -3345,7 +3347,7 @@
           <a:p>
             <a:fld id="{9BF60C95-0472-DE44-8980-673BD05BB60F}" type="datetimeFigureOut">
               <a:rPr lang="en-US" smtClean="0"/>
-              <a:t>8/20/23</a:t>
+              <a:t>8/21/23</a:t>
             </a:fld>
             <a:endParaRPr lang="en-US" dirty="0"/>
           </a:p>
@@ -3888,7 +3890,7 @@
           <p:cNvPr id="2" name="Title 1">
             <a:extLst>
               <a:ext uri="{FF2B5EF4-FFF2-40B4-BE49-F238E27FC236}">
-                <a16:creationId xmlns:a16="http://schemas.microsoft.com/office/drawing/2014/main" id="{E977DAFB-0052-393F-C699-AE61BC6956F0}"/>
+                <a16:creationId xmlns:a16="http://schemas.microsoft.com/office/drawing/2014/main" id="{9CEB067F-F1B7-6499-2908-34C68178C8C0}"/>
               </a:ext>
             </a:extLst>
           </p:cNvPr>
@@ -3906,62 +3908,77 @@
           <a:p>
             <a:r>
               <a:rPr lang="en-US" dirty="0"/>
-              <a:t>Ecological forecasting</a:t>
+              <a:t>Simple parameterization approach</a:t>
             </a:r>
           </a:p>
         </p:txBody>
       </p:sp>
       <p:pic>
         <p:nvPicPr>
-          <p:cNvPr id="4" name="Picture 3">
-            <a:extLst>
-              <a:ext uri="{FF2B5EF4-FFF2-40B4-BE49-F238E27FC236}">
-                <a16:creationId xmlns:a16="http://schemas.microsoft.com/office/drawing/2014/main" id="{DDBF88AC-3490-55FA-A0D4-64339FFCC004}"/>
+          <p:cNvPr id="2050" name="Picture 2">
+            <a:extLst>
+              <a:ext uri="{FF2B5EF4-FFF2-40B4-BE49-F238E27FC236}">
+                <a16:creationId xmlns:a16="http://schemas.microsoft.com/office/drawing/2014/main" id="{3558E6D5-E865-C1B7-D6C7-F0B679ABDE9B}"/>
               </a:ext>
             </a:extLst>
           </p:cNvPr>
           <p:cNvPicPr>
-            <a:picLocks noChangeAspect="1"/>
+            <a:picLocks noChangeAspect="1" noChangeArrowheads="1"/>
           </p:cNvPicPr>
           <p:nvPr/>
         </p:nvPicPr>
-        <p:blipFill>
-          <a:blip r:embed="rId2"/>
-          <a:stretch>
-            <a:fillRect/>
-          </a:stretch>
+        <p:blipFill rotWithShape="1">
+          <a:blip r:embed="rId2">
+            <a:extLst>
+              <a:ext uri="{28A0092B-C50C-407E-A947-70E740481C1C}">
+                <a14:useLocalDpi xmlns:a14="http://schemas.microsoft.com/office/drawing/2010/main" val="0"/>
+              </a:ext>
+            </a:extLst>
+          </a:blip>
+          <a:srcRect b="47619"/>
+          <a:stretch/>
         </p:blipFill>
-        <p:spPr>
-          <a:xfrm>
-            <a:off x="1683025" y="1872171"/>
-            <a:ext cx="8282609" cy="4967574"/>
-          </a:xfrm>
-          <a:prstGeom prst="rect">
-            <a:avLst/>
-          </a:prstGeom>
-        </p:spPr>
-      </p:pic>
-      <p:sp>
-        <p:nvSpPr>
-          <p:cNvPr id="5" name="TextBox 4">
-            <a:extLst>
-              <a:ext uri="{FF2B5EF4-FFF2-40B4-BE49-F238E27FC236}">
-                <a16:creationId xmlns:a16="http://schemas.microsoft.com/office/drawing/2014/main" id="{F7E69460-A80B-BF56-A6E4-CCCC9B668E45}"/>
-              </a:ext>
-            </a:extLst>
-          </p:cNvPr>
-          <p:cNvSpPr txBox="1"/>
-          <p:nvPr/>
-        </p:nvSpPr>
-        <p:spPr>
-          <a:xfrm>
-            <a:off x="7706992" y="6470413"/>
-            <a:ext cx="3320140" cy="369332"/>
+        <p:spPr bwMode="auto">
+          <a:xfrm>
+            <a:off x="2078945" y="1049903"/>
+            <a:ext cx="7734832" cy="5420509"/>
           </a:xfrm>
           <a:prstGeom prst="rect">
             <a:avLst/>
           </a:prstGeom>
           <a:noFill/>
+          <a:extLst>
+            <a:ext uri="{909E8E84-426E-40DD-AFC4-6F175D3DCCD1}">
+              <a14:hiddenFill xmlns:a14="http://schemas.microsoft.com/office/drawing/2010/main">
+                <a:solidFill>
+                  <a:srgbClr val="FFFFFF"/>
+                </a:solidFill>
+              </a14:hiddenFill>
+            </a:ext>
+          </a:extLst>
+        </p:spPr>
+      </p:pic>
+      <p:sp>
+        <p:nvSpPr>
+          <p:cNvPr id="4" name="TextBox 3">
+            <a:extLst>
+              <a:ext uri="{FF2B5EF4-FFF2-40B4-BE49-F238E27FC236}">
+                <a16:creationId xmlns:a16="http://schemas.microsoft.com/office/drawing/2014/main" id="{BD1CF62D-E85A-7980-503C-0F0F1A9908EB}"/>
+              </a:ext>
+            </a:extLst>
+          </p:cNvPr>
+          <p:cNvSpPr txBox="1"/>
+          <p:nvPr/>
+        </p:nvSpPr>
+        <p:spPr>
+          <a:xfrm>
+            <a:off x="291547" y="6470413"/>
+            <a:ext cx="8552341" cy="369332"/>
+          </a:xfrm>
+          <a:prstGeom prst="rect">
+            <a:avLst/>
+          </a:prstGeom>
+          <a:noFill/>
         </p:spPr>
         <p:txBody>
           <a:bodyPr wrap="none" rtlCol="0">
@@ -3969,149 +3986,19 @@
           </a:bodyPr>
           <a:lstStyle/>
           <a:p>
+            <a:r>
+              <a:rPr lang="en-US" dirty="0" err="1">
+                <a:latin typeface="Times New Roman" panose="02020603050405020304" pitchFamily="18" charset="0"/>
+                <a:cs typeface="Times New Roman" panose="02020603050405020304" pitchFamily="18" charset="0"/>
+              </a:rPr>
+              <a:t>Hurford</a:t>
+            </a:r>
             <a:r>
               <a:rPr lang="en-US" dirty="0">
                 <a:latin typeface="Times New Roman" panose="02020603050405020304" pitchFamily="18" charset="0"/>
                 <a:cs typeface="Times New Roman" panose="02020603050405020304" pitchFamily="18" charset="0"/>
               </a:rPr>
-              <a:t>Ch17_Uncertainty_Analysis.Rmd</a:t>
-            </a:r>
-          </a:p>
-        </p:txBody>
-      </p:sp>
-      <p:sp>
-        <p:nvSpPr>
-          <p:cNvPr id="6" name="TextBox 5">
-            <a:extLst>
-              <a:ext uri="{FF2B5EF4-FFF2-40B4-BE49-F238E27FC236}">
-                <a16:creationId xmlns:a16="http://schemas.microsoft.com/office/drawing/2014/main" id="{BEDDECA1-1B4E-C970-D465-5BE66A9CCCAF}"/>
-              </a:ext>
-            </a:extLst>
-          </p:cNvPr>
-          <p:cNvSpPr txBox="1"/>
-          <p:nvPr/>
-        </p:nvSpPr>
-        <p:spPr>
-          <a:xfrm>
-            <a:off x="10130321" y="2429164"/>
-            <a:ext cx="1244251" cy="1077218"/>
-          </a:xfrm>
-          <a:prstGeom prst="rect">
-            <a:avLst/>
-          </a:prstGeom>
-          <a:noFill/>
-        </p:spPr>
-        <p:txBody>
-          <a:bodyPr wrap="none" rtlCol="0">
-            <a:spAutoFit/>
-          </a:bodyPr>
-          <a:lstStyle/>
-          <a:p>
-            <a:r>
-              <a:rPr lang="en-US" sz="3200" dirty="0">
-                <a:latin typeface="Times New Roman" panose="02020603050405020304" pitchFamily="18" charset="0"/>
-                <a:cs typeface="Times New Roman" panose="02020603050405020304" pitchFamily="18" charset="0"/>
-              </a:rPr>
-              <a:t>s: site</a:t>
-            </a:r>
-          </a:p>
-          <a:p>
-            <a:r>
-              <a:rPr lang="en-US" sz="3200" dirty="0">
-                <a:latin typeface="Times New Roman" panose="02020603050405020304" pitchFamily="18" charset="0"/>
-                <a:cs typeface="Times New Roman" panose="02020603050405020304" pitchFamily="18" charset="0"/>
-              </a:rPr>
-              <a:t>t: time</a:t>
-            </a:r>
-          </a:p>
-        </p:txBody>
-      </p:sp>
-      <p:sp>
-        <p:nvSpPr>
-          <p:cNvPr id="7" name="TextBox 6">
-            <a:extLst>
-              <a:ext uri="{FF2B5EF4-FFF2-40B4-BE49-F238E27FC236}">
-                <a16:creationId xmlns:a16="http://schemas.microsoft.com/office/drawing/2014/main" id="{3469DCFB-B810-50E9-3DA4-FE59D7BE1A30}"/>
-              </a:ext>
-            </a:extLst>
-          </p:cNvPr>
-          <p:cNvSpPr txBox="1"/>
-          <p:nvPr/>
-        </p:nvSpPr>
-        <p:spPr>
-          <a:xfrm>
-            <a:off x="2590375" y="1477963"/>
-            <a:ext cx="5985934" cy="584775"/>
-          </a:xfrm>
-          <a:prstGeom prst="rect">
-            <a:avLst/>
-          </a:prstGeom>
-          <a:noFill/>
-        </p:spPr>
-        <p:txBody>
-          <a:bodyPr wrap="none" rtlCol="0">
-            <a:spAutoFit/>
-          </a:bodyPr>
-          <a:lstStyle/>
-          <a:p>
-            <a:r>
-              <a:rPr lang="en-US" sz="3200" b="1" dirty="0">
-                <a:latin typeface="Times New Roman" panose="02020603050405020304" pitchFamily="18" charset="0"/>
-                <a:cs typeface="Times New Roman" panose="02020603050405020304" pitchFamily="18" charset="0"/>
-              </a:rPr>
-              <a:t>Observed population size, No[</a:t>
-            </a:r>
-            <a:r>
-              <a:rPr lang="en-US" sz="3200" b="1" dirty="0" err="1">
-                <a:latin typeface="Times New Roman" panose="02020603050405020304" pitchFamily="18" charset="0"/>
-                <a:cs typeface="Times New Roman" panose="02020603050405020304" pitchFamily="18" charset="0"/>
-              </a:rPr>
-              <a:t>s,t</a:t>
-            </a:r>
-            <a:r>
-              <a:rPr lang="en-US" sz="3200" b="1" dirty="0">
-                <a:latin typeface="Times New Roman" panose="02020603050405020304" pitchFamily="18" charset="0"/>
-                <a:cs typeface="Times New Roman" panose="02020603050405020304" pitchFamily="18" charset="0"/>
-              </a:rPr>
-              <a:t>]</a:t>
-            </a:r>
-          </a:p>
-        </p:txBody>
-      </p:sp>
-      <p:sp>
-        <p:nvSpPr>
-          <p:cNvPr id="8" name="TextBox 7">
-            <a:extLst>
-              <a:ext uri="{FF2B5EF4-FFF2-40B4-BE49-F238E27FC236}">
-                <a16:creationId xmlns:a16="http://schemas.microsoft.com/office/drawing/2014/main" id="{7270C7F7-AA48-CA7E-F9D2-E6D9887DF9B9}"/>
-              </a:ext>
-            </a:extLst>
-          </p:cNvPr>
-          <p:cNvSpPr txBox="1"/>
-          <p:nvPr/>
-        </p:nvSpPr>
-        <p:spPr>
-          <a:xfrm>
-            <a:off x="291547" y="6470413"/>
-            <a:ext cx="3506088" cy="369332"/>
-          </a:xfrm>
-          <a:prstGeom prst="rect">
-            <a:avLst/>
-          </a:prstGeom>
-          <a:noFill/>
-        </p:spPr>
-        <p:txBody>
-          <a:bodyPr wrap="none" rtlCol="0">
-            <a:spAutoFit/>
-          </a:bodyPr>
-          <a:lstStyle/>
-          <a:p>
-            <a:r>
-              <a:rPr lang="en-US" dirty="0">
-                <a:latin typeface="Times New Roman" panose="02020603050405020304" pitchFamily="18" charset="0"/>
-                <a:cs typeface="Times New Roman" panose="02020603050405020304" pitchFamily="18" charset="0"/>
-              </a:rPr>
-              <a:t>Dietz 2017. Ecological forecasting.</a:t>
+              <a:t> et al. 2023. Pandemic modelling for regions implementing an elimination strategy</a:t>
             </a:r>
           </a:p>
         </p:txBody>
@@ -4119,7 +4006,7 @@
     </p:spTree>
     <p:extLst>
       <p:ext uri="{BB962C8B-B14F-4D97-AF65-F5344CB8AC3E}">
-        <p14:creationId xmlns:p14="http://schemas.microsoft.com/office/powerpoint/2010/main" val="751933468"/>
+        <p14:creationId xmlns:p14="http://schemas.microsoft.com/office/powerpoint/2010/main" val="2936743078"/>
       </p:ext>
     </p:extLst>
   </p:cSld>
@@ -4148,10 +4035,75 @@
       </p:grpSpPr>
       <p:sp>
         <p:nvSpPr>
-          <p:cNvPr id="2" name="Title 1">
-            <a:extLst>
-              <a:ext uri="{FF2B5EF4-FFF2-40B4-BE49-F238E27FC236}">
-                <a16:creationId xmlns:a16="http://schemas.microsoft.com/office/drawing/2014/main" id="{240033BE-3E8E-D8AD-8095-4324F80C5D41}"/>
+          <p:cNvPr id="3" name="Content Placeholder 2">
+            <a:extLst>
+              <a:ext uri="{FF2B5EF4-FFF2-40B4-BE49-F238E27FC236}">
+                <a16:creationId xmlns:a16="http://schemas.microsoft.com/office/drawing/2014/main" id="{608659C5-08ED-6968-B50F-BABE2F896339}"/>
+              </a:ext>
+            </a:extLst>
+          </p:cNvPr>
+          <p:cNvSpPr>
+            <a:spLocks noGrp="1"/>
+          </p:cNvSpPr>
+          <p:nvPr>
+            <p:ph idx="1"/>
+          </p:nvPr>
+        </p:nvSpPr>
+        <p:spPr>
+          <a:xfrm>
+            <a:off x="982317" y="1472648"/>
+            <a:ext cx="10227365" cy="5126935"/>
+          </a:xfrm>
+        </p:spPr>
+        <p:txBody>
+          <a:bodyPr/>
+          <a:lstStyle/>
+          <a:p>
+            <a:r>
+              <a:rPr lang="en-US" dirty="0"/>
+              <a:t>Search the literature for 1 value or average</a:t>
+            </a:r>
+          </a:p>
+          <a:p>
+            <a:pPr lvl="1"/>
+            <a:r>
+              <a:rPr lang="en-US" dirty="0"/>
+              <a:t>Not rigorous</a:t>
+            </a:r>
+          </a:p>
+          <a:p>
+            <a:r>
+              <a:rPr lang="en-US" dirty="0"/>
+              <a:t>No or limited treatment of uncertainty in forecasts</a:t>
+            </a:r>
+          </a:p>
+          <a:p>
+            <a:pPr lvl="1"/>
+            <a:r>
+              <a:rPr lang="en-US" dirty="0"/>
+              <a:t>Some error sources overlooked, falsely confident predictions</a:t>
+            </a:r>
+          </a:p>
+          <a:p>
+            <a:r>
+              <a:rPr lang="en-US" dirty="0"/>
+              <a:t>Does not fit data</a:t>
+            </a:r>
+          </a:p>
+          <a:p>
+            <a:r>
+              <a:rPr lang="en-US" dirty="0"/>
+              <a:t>Disconnected from statistics</a:t>
+            </a:r>
+          </a:p>
+        </p:txBody>
+      </p:sp>
+      <p:sp>
+        <p:nvSpPr>
+          <p:cNvPr id="6" name="Title 1">
+            <a:extLst>
+              <a:ext uri="{FF2B5EF4-FFF2-40B4-BE49-F238E27FC236}">
+                <a16:creationId xmlns:a16="http://schemas.microsoft.com/office/drawing/2014/main" id="{A6749F85-F1EF-83E2-55B0-AC2B75813BE5}"/>
               </a:ext>
             </a:extLst>
           </p:cNvPr>
@@ -4169,104 +4121,15 @@
           <a:p>
             <a:r>
               <a:rPr lang="en-US" dirty="0"/>
-              <a:t>COVID-19 cases by geographic region</a:t>
-            </a:r>
-          </a:p>
-        </p:txBody>
-      </p:sp>
-      <p:pic>
-        <p:nvPicPr>
-          <p:cNvPr id="5" name="Picture 4">
-            <a:extLst>
-              <a:ext uri="{FF2B5EF4-FFF2-40B4-BE49-F238E27FC236}">
-                <a16:creationId xmlns:a16="http://schemas.microsoft.com/office/drawing/2014/main" id="{7BC4B25A-3ABC-6A91-CE54-1E590D5F7506}"/>
-              </a:ext>
-            </a:extLst>
-          </p:cNvPr>
-          <p:cNvPicPr>
-            <a:picLocks noChangeAspect="1"/>
-          </p:cNvPicPr>
-          <p:nvPr/>
-        </p:nvPicPr>
-        <p:blipFill>
-          <a:blip r:embed="rId2"/>
-          <a:stretch>
-            <a:fillRect/>
-          </a:stretch>
-        </p:blipFill>
-        <p:spPr>
-          <a:xfrm>
-            <a:off x="265044" y="1115289"/>
-            <a:ext cx="7474226" cy="5742711"/>
-          </a:xfrm>
-          <a:prstGeom prst="rect">
-            <a:avLst/>
-          </a:prstGeom>
-        </p:spPr>
-      </p:pic>
-      <p:sp>
-        <p:nvSpPr>
-          <p:cNvPr id="7" name="TextBox 6">
-            <a:extLst>
-              <a:ext uri="{FF2B5EF4-FFF2-40B4-BE49-F238E27FC236}">
-                <a16:creationId xmlns:a16="http://schemas.microsoft.com/office/drawing/2014/main" id="{812C6F03-3568-2BBF-014B-9126064BC416}"/>
-              </a:ext>
-            </a:extLst>
-          </p:cNvPr>
-          <p:cNvSpPr txBox="1"/>
-          <p:nvPr/>
-        </p:nvSpPr>
-        <p:spPr>
-          <a:xfrm>
-            <a:off x="8004314" y="5639416"/>
-            <a:ext cx="4055166" cy="1200329"/>
-          </a:xfrm>
-          <a:prstGeom prst="rect">
-            <a:avLst/>
-          </a:prstGeom>
-          <a:noFill/>
-        </p:spPr>
-        <p:txBody>
-          <a:bodyPr wrap="square" rtlCol="0">
-            <a:spAutoFit/>
-          </a:bodyPr>
-          <a:lstStyle/>
-          <a:p>
-            <a:r>
-              <a:rPr lang="en-US" dirty="0">
-                <a:latin typeface="Times New Roman" panose="02020603050405020304" pitchFamily="18" charset="0"/>
-                <a:cs typeface="Times New Roman" panose="02020603050405020304" pitchFamily="18" charset="0"/>
-              </a:rPr>
-              <a:t>Weekly epidemiological summary. COVID-19 in Ontario: Focus on May 23, 2021 to</a:t>
-            </a:r>
-          </a:p>
-          <a:p>
-            <a:r>
-              <a:rPr lang="en-US" dirty="0">
-                <a:latin typeface="Times New Roman" panose="02020603050405020304" pitchFamily="18" charset="0"/>
-                <a:cs typeface="Times New Roman" panose="02020603050405020304" pitchFamily="18" charset="0"/>
-              </a:rPr>
-              <a:t>May 29, 2021. Public Health Ontario. </a:t>
-            </a:r>
-            <a:r>
-              <a:rPr lang="en-US" dirty="0">
-                <a:latin typeface="Times New Roman" panose="02020603050405020304" pitchFamily="18" charset="0"/>
-                <a:cs typeface="Times New Roman" panose="02020603050405020304" pitchFamily="18" charset="0"/>
-                <a:hlinkClick r:id="rId3"/>
-              </a:rPr>
-              <a:t>link</a:t>
-            </a:r>
-            <a:endParaRPr lang="en-US" dirty="0">
-              <a:latin typeface="Times New Roman" panose="02020603050405020304" pitchFamily="18" charset="0"/>
-              <a:cs typeface="Times New Roman" panose="02020603050405020304" pitchFamily="18" charset="0"/>
-            </a:endParaRPr>
+              <a:t>Simple parameterization approach</a:t>
+            </a:r>
           </a:p>
         </p:txBody>
       </p:sp>
     </p:spTree>
     <p:extLst>
       <p:ext uri="{BB962C8B-B14F-4D97-AF65-F5344CB8AC3E}">
-        <p14:creationId xmlns:p14="http://schemas.microsoft.com/office/powerpoint/2010/main" val="2044609264"/>
+        <p14:creationId xmlns:p14="http://schemas.microsoft.com/office/powerpoint/2010/main" val="1658492931"/>
       </p:ext>
     </p:extLst>
   </p:cSld>
@@ -4293,12 +4156,40 @@
           <a:chExt cx="0" cy="0"/>
         </a:xfrm>
       </p:grpSpPr>
+      <p:sp>
+        <p:nvSpPr>
+          <p:cNvPr id="2" name="Title 1">
+            <a:extLst>
+              <a:ext uri="{FF2B5EF4-FFF2-40B4-BE49-F238E27FC236}">
+                <a16:creationId xmlns:a16="http://schemas.microsoft.com/office/drawing/2014/main" id="{E977DAFB-0052-393F-C699-AE61BC6956F0}"/>
+              </a:ext>
+            </a:extLst>
+          </p:cNvPr>
+          <p:cNvSpPr>
+            <a:spLocks noGrp="1"/>
+          </p:cNvSpPr>
+          <p:nvPr>
+            <p:ph type="title"/>
+          </p:nvPr>
+        </p:nvSpPr>
+        <p:spPr/>
+        <p:txBody>
+          <a:bodyPr/>
+          <a:lstStyle/>
+          <a:p>
+            <a:r>
+              <a:rPr lang="en-US" dirty="0"/>
+              <a:t>Ecological forecasting</a:t>
+            </a:r>
+          </a:p>
+        </p:txBody>
+      </p:sp>
       <p:pic>
         <p:nvPicPr>
           <p:cNvPr id="4" name="Picture 3">
             <a:extLst>
               <a:ext uri="{FF2B5EF4-FFF2-40B4-BE49-F238E27FC236}">
-                <a16:creationId xmlns:a16="http://schemas.microsoft.com/office/drawing/2014/main" id="{C27DF1C7-7D39-A6F5-5F25-5942CBE56307}"/>
+                <a16:creationId xmlns:a16="http://schemas.microsoft.com/office/drawing/2014/main" id="{DDBF88AC-3490-55FA-A0D4-64339FFCC004}"/>
               </a:ext>
             </a:extLst>
           </p:cNvPr>
@@ -4315,8 +4206,8 @@
         </p:blipFill>
         <p:spPr>
           <a:xfrm>
-            <a:off x="567081" y="710393"/>
-            <a:ext cx="9584083" cy="6147607"/>
+            <a:off x="1683025" y="1872171"/>
+            <a:ext cx="8282609" cy="4967574"/>
           </a:xfrm>
           <a:prstGeom prst="rect">
             <a:avLst/>
@@ -4325,38 +4216,10 @@
       </p:pic>
       <p:sp>
         <p:nvSpPr>
-          <p:cNvPr id="5" name="Title 4">
-            <a:extLst>
-              <a:ext uri="{FF2B5EF4-FFF2-40B4-BE49-F238E27FC236}">
-                <a16:creationId xmlns:a16="http://schemas.microsoft.com/office/drawing/2014/main" id="{F2FE9AD3-F10F-EA37-F58B-84CF0CF4A60D}"/>
-              </a:ext>
-            </a:extLst>
-          </p:cNvPr>
-          <p:cNvSpPr>
-            <a:spLocks noGrp="1"/>
-          </p:cNvSpPr>
-          <p:nvPr>
-            <p:ph type="title"/>
-          </p:nvPr>
-        </p:nvSpPr>
-        <p:spPr/>
-        <p:txBody>
-          <a:bodyPr/>
-          <a:lstStyle/>
-          <a:p>
-            <a:r>
-              <a:rPr lang="en-US" dirty="0"/>
-              <a:t>Deterministic forecast for site, s=6</a:t>
-            </a:r>
-          </a:p>
-        </p:txBody>
-      </p:sp>
-      <p:sp>
-        <p:nvSpPr>
-          <p:cNvPr id="8" name="TextBox 7">
-            <a:extLst>
-              <a:ext uri="{FF2B5EF4-FFF2-40B4-BE49-F238E27FC236}">
-                <a16:creationId xmlns:a16="http://schemas.microsoft.com/office/drawing/2014/main" id="{2A3C742F-7F9D-C461-DAAE-C08787EB47CE}"/>
+          <p:cNvPr id="5" name="TextBox 4">
+            <a:extLst>
+              <a:ext uri="{FF2B5EF4-FFF2-40B4-BE49-F238E27FC236}">
+                <a16:creationId xmlns:a16="http://schemas.microsoft.com/office/drawing/2014/main" id="{F7E69460-A80B-BF56-A6E4-CCCC9B668E45}"/>
               </a:ext>
             </a:extLst>
           </p:cNvPr>
@@ -4391,10 +4254,109 @@
       </p:sp>
       <p:sp>
         <p:nvSpPr>
-          <p:cNvPr id="9" name="TextBox 8">
-            <a:extLst>
-              <a:ext uri="{FF2B5EF4-FFF2-40B4-BE49-F238E27FC236}">
-                <a16:creationId xmlns:a16="http://schemas.microsoft.com/office/drawing/2014/main" id="{9BBFDA35-D20D-B131-F297-D712A9E4252D}"/>
+          <p:cNvPr id="6" name="TextBox 5">
+            <a:extLst>
+              <a:ext uri="{FF2B5EF4-FFF2-40B4-BE49-F238E27FC236}">
+                <a16:creationId xmlns:a16="http://schemas.microsoft.com/office/drawing/2014/main" id="{BEDDECA1-1B4E-C970-D465-5BE66A9CCCAF}"/>
+              </a:ext>
+            </a:extLst>
+          </p:cNvPr>
+          <p:cNvSpPr txBox="1"/>
+          <p:nvPr/>
+        </p:nvSpPr>
+        <p:spPr>
+          <a:xfrm>
+            <a:off x="10130321" y="2429164"/>
+            <a:ext cx="1244251" cy="1077218"/>
+          </a:xfrm>
+          <a:prstGeom prst="rect">
+            <a:avLst/>
+          </a:prstGeom>
+          <a:noFill/>
+        </p:spPr>
+        <p:txBody>
+          <a:bodyPr wrap="none" rtlCol="0">
+            <a:spAutoFit/>
+          </a:bodyPr>
+          <a:lstStyle/>
+          <a:p>
+            <a:r>
+              <a:rPr lang="en-US" sz="3200" dirty="0">
+                <a:latin typeface="Times New Roman" panose="02020603050405020304" pitchFamily="18" charset="0"/>
+                <a:cs typeface="Times New Roman" panose="02020603050405020304" pitchFamily="18" charset="0"/>
+              </a:rPr>
+              <a:t>s: site</a:t>
+            </a:r>
+          </a:p>
+          <a:p>
+            <a:r>
+              <a:rPr lang="en-US" sz="3200" dirty="0">
+                <a:latin typeface="Times New Roman" panose="02020603050405020304" pitchFamily="18" charset="0"/>
+                <a:cs typeface="Times New Roman" panose="02020603050405020304" pitchFamily="18" charset="0"/>
+              </a:rPr>
+              <a:t>t: time</a:t>
+            </a:r>
+          </a:p>
+        </p:txBody>
+      </p:sp>
+      <p:sp>
+        <p:nvSpPr>
+          <p:cNvPr id="7" name="TextBox 6">
+            <a:extLst>
+              <a:ext uri="{FF2B5EF4-FFF2-40B4-BE49-F238E27FC236}">
+                <a16:creationId xmlns:a16="http://schemas.microsoft.com/office/drawing/2014/main" id="{3469DCFB-B810-50E9-3DA4-FE59D7BE1A30}"/>
+              </a:ext>
+            </a:extLst>
+          </p:cNvPr>
+          <p:cNvSpPr txBox="1"/>
+          <p:nvPr/>
+        </p:nvSpPr>
+        <p:spPr>
+          <a:xfrm>
+            <a:off x="2590375" y="1477963"/>
+            <a:ext cx="5985934" cy="584775"/>
+          </a:xfrm>
+          <a:prstGeom prst="rect">
+            <a:avLst/>
+          </a:prstGeom>
+          <a:noFill/>
+        </p:spPr>
+        <p:txBody>
+          <a:bodyPr wrap="none" rtlCol="0">
+            <a:spAutoFit/>
+          </a:bodyPr>
+          <a:lstStyle/>
+          <a:p>
+            <a:r>
+              <a:rPr lang="en-US" sz="3200" b="1" dirty="0">
+                <a:latin typeface="Times New Roman" panose="02020603050405020304" pitchFamily="18" charset="0"/>
+                <a:cs typeface="Times New Roman" panose="02020603050405020304" pitchFamily="18" charset="0"/>
+              </a:rPr>
+              <a:t>Observed population size, No[</a:t>
+            </a:r>
+            <a:r>
+              <a:rPr lang="en-US" sz="3200" b="1" dirty="0" err="1">
+                <a:latin typeface="Times New Roman" panose="02020603050405020304" pitchFamily="18" charset="0"/>
+                <a:cs typeface="Times New Roman" panose="02020603050405020304" pitchFamily="18" charset="0"/>
+              </a:rPr>
+              <a:t>s,t</a:t>
+            </a:r>
+            <a:r>
+              <a:rPr lang="en-US" sz="3200" b="1" dirty="0">
+                <a:latin typeface="Times New Roman" panose="02020603050405020304" pitchFamily="18" charset="0"/>
+                <a:cs typeface="Times New Roman" panose="02020603050405020304" pitchFamily="18" charset="0"/>
+              </a:rPr>
+              <a:t>]</a:t>
+            </a:r>
+          </a:p>
+        </p:txBody>
+      </p:sp>
+      <p:sp>
+        <p:nvSpPr>
+          <p:cNvPr id="8" name="TextBox 7">
+            <a:extLst>
+              <a:ext uri="{FF2B5EF4-FFF2-40B4-BE49-F238E27FC236}">
+                <a16:creationId xmlns:a16="http://schemas.microsoft.com/office/drawing/2014/main" id="{7270C7F7-AA48-CA7E-F9D2-E6D9887DF9B9}"/>
               </a:ext>
             </a:extLst>
           </p:cNvPr>
@@ -4427,148 +4389,10 @@
           </a:p>
         </p:txBody>
       </p:sp>
-      <p:pic>
-        <p:nvPicPr>
-          <p:cNvPr id="2" name="Picture 1">
-            <a:extLst>
-              <a:ext uri="{FF2B5EF4-FFF2-40B4-BE49-F238E27FC236}">
-                <a16:creationId xmlns:a16="http://schemas.microsoft.com/office/drawing/2014/main" id="{44603F09-228A-4E9B-DF5B-A3BBF25DC949}"/>
-              </a:ext>
-            </a:extLst>
-          </p:cNvPr>
-          <p:cNvPicPr>
-            <a:picLocks noChangeAspect="1"/>
-          </p:cNvPicPr>
-          <p:nvPr/>
-        </p:nvPicPr>
-        <p:blipFill>
-          <a:blip r:embed="rId3"/>
-          <a:stretch>
-            <a:fillRect/>
-          </a:stretch>
-        </p:blipFill>
-        <p:spPr>
-          <a:xfrm>
-            <a:off x="2297099" y="4082534"/>
-            <a:ext cx="3798901" cy="419768"/>
-          </a:xfrm>
-          <a:prstGeom prst="rect">
-            <a:avLst/>
-          </a:prstGeom>
-        </p:spPr>
-      </p:pic>
-      <p:sp>
-        <p:nvSpPr>
-          <p:cNvPr id="3" name="TextBox 2">
-            <a:extLst>
-              <a:ext uri="{FF2B5EF4-FFF2-40B4-BE49-F238E27FC236}">
-                <a16:creationId xmlns:a16="http://schemas.microsoft.com/office/drawing/2014/main" id="{FDD7278C-B0A0-332A-2EBA-EAC8A6B88381}"/>
-              </a:ext>
-            </a:extLst>
-          </p:cNvPr>
-          <p:cNvSpPr txBox="1"/>
-          <p:nvPr/>
-        </p:nvSpPr>
-        <p:spPr>
-          <a:xfrm>
-            <a:off x="6555464" y="4040637"/>
-            <a:ext cx="1970411" cy="461665"/>
-          </a:xfrm>
-          <a:prstGeom prst="rect">
-            <a:avLst/>
-          </a:prstGeom>
-          <a:noFill/>
-        </p:spPr>
-        <p:txBody>
-          <a:bodyPr wrap="none" rtlCol="0">
-            <a:spAutoFit/>
-          </a:bodyPr>
-          <a:lstStyle/>
-          <a:p>
-            <a:r>
-              <a:rPr lang="en-US" sz="2400" dirty="0">
-                <a:latin typeface="Times New Roman" panose="02020603050405020304" pitchFamily="18" charset="0"/>
-                <a:cs typeface="Times New Roman" panose="02020603050405020304" pitchFamily="18" charset="0"/>
-              </a:rPr>
-              <a:t>Process model</a:t>
-            </a:r>
-          </a:p>
-        </p:txBody>
-      </p:sp>
-      <p:pic>
-        <p:nvPicPr>
-          <p:cNvPr id="11" name="Picture 10">
-            <a:extLst>
-              <a:ext uri="{FF2B5EF4-FFF2-40B4-BE49-F238E27FC236}">
-                <a16:creationId xmlns:a16="http://schemas.microsoft.com/office/drawing/2014/main" id="{C92407E6-6417-2479-BB70-2BBCE0582D76}"/>
-              </a:ext>
-            </a:extLst>
-          </p:cNvPr>
-          <p:cNvPicPr>
-            <a:picLocks noChangeAspect="1"/>
-          </p:cNvPicPr>
-          <p:nvPr/>
-        </p:nvPicPr>
-        <p:blipFill>
-          <a:blip r:embed="rId4"/>
-          <a:stretch>
-            <a:fillRect/>
-          </a:stretch>
-        </p:blipFill>
-        <p:spPr>
-          <a:xfrm>
-            <a:off x="2297099" y="4711700"/>
-            <a:ext cx="4258365" cy="316051"/>
-          </a:xfrm>
-          <a:prstGeom prst="rect">
-            <a:avLst/>
-          </a:prstGeom>
-        </p:spPr>
-      </p:pic>
-      <p:sp>
-        <p:nvSpPr>
-          <p:cNvPr id="12" name="TextBox 11">
-            <a:extLst>
-              <a:ext uri="{FF2B5EF4-FFF2-40B4-BE49-F238E27FC236}">
-                <a16:creationId xmlns:a16="http://schemas.microsoft.com/office/drawing/2014/main" id="{A41730DC-BEB4-781B-144B-77465C9DC070}"/>
-              </a:ext>
-            </a:extLst>
-          </p:cNvPr>
-          <p:cNvSpPr txBox="1"/>
-          <p:nvPr/>
-        </p:nvSpPr>
-        <p:spPr>
-          <a:xfrm>
-            <a:off x="6590676" y="4588993"/>
-            <a:ext cx="4718792" cy="461665"/>
-          </a:xfrm>
-          <a:prstGeom prst="rect">
-            <a:avLst/>
-          </a:prstGeom>
-          <a:solidFill>
-            <a:schemeClr val="bg1"/>
-          </a:solidFill>
-        </p:spPr>
-        <p:txBody>
-          <a:bodyPr wrap="none" rtlCol="0">
-            <a:spAutoFit/>
-          </a:bodyPr>
-          <a:lstStyle/>
-          <a:p>
-            <a:r>
-              <a:rPr lang="en-US" sz="2400" dirty="0">
-                <a:latin typeface="Times New Roman" panose="02020603050405020304" pitchFamily="18" charset="0"/>
-                <a:cs typeface="Times New Roman" panose="02020603050405020304" pitchFamily="18" charset="0"/>
-              </a:rPr>
-              <a:t>Random effect, driver (precipitation)</a:t>
-            </a:r>
-          </a:p>
-        </p:txBody>
-      </p:sp>
     </p:spTree>
     <p:extLst>
       <p:ext uri="{BB962C8B-B14F-4D97-AF65-F5344CB8AC3E}">
-        <p14:creationId xmlns:p14="http://schemas.microsoft.com/office/powerpoint/2010/main" val="2556045400"/>
+        <p14:creationId xmlns:p14="http://schemas.microsoft.com/office/powerpoint/2010/main" val="751933468"/>
       </p:ext>
     </p:extLst>
   </p:cSld>
@@ -4595,12 +4419,40 @@
           <a:chExt cx="0" cy="0"/>
         </a:xfrm>
       </p:grpSpPr>
+      <p:sp>
+        <p:nvSpPr>
+          <p:cNvPr id="2" name="Title 1">
+            <a:extLst>
+              <a:ext uri="{FF2B5EF4-FFF2-40B4-BE49-F238E27FC236}">
+                <a16:creationId xmlns:a16="http://schemas.microsoft.com/office/drawing/2014/main" id="{240033BE-3E8E-D8AD-8095-4324F80C5D41}"/>
+              </a:ext>
+            </a:extLst>
+          </p:cNvPr>
+          <p:cNvSpPr>
+            <a:spLocks noGrp="1"/>
+          </p:cNvSpPr>
+          <p:nvPr>
+            <p:ph type="title"/>
+          </p:nvPr>
+        </p:nvSpPr>
+        <p:spPr/>
+        <p:txBody>
+          <a:bodyPr/>
+          <a:lstStyle/>
+          <a:p>
+            <a:r>
+              <a:rPr lang="en-US" dirty="0"/>
+              <a:t>COVID-19 cases by geographic region</a:t>
+            </a:r>
+          </a:p>
+        </p:txBody>
+      </p:sp>
       <p:pic>
         <p:nvPicPr>
-          <p:cNvPr id="9" name="Picture 8">
-            <a:extLst>
-              <a:ext uri="{FF2B5EF4-FFF2-40B4-BE49-F238E27FC236}">
-                <a16:creationId xmlns:a16="http://schemas.microsoft.com/office/drawing/2014/main" id="{F4B8CA5F-24EE-6948-178C-5905EDBF4A9C}"/>
+          <p:cNvPr id="5" name="Picture 4">
+            <a:extLst>
+              <a:ext uri="{FF2B5EF4-FFF2-40B4-BE49-F238E27FC236}">
+                <a16:creationId xmlns:a16="http://schemas.microsoft.com/office/drawing/2014/main" id="{7BC4B25A-3ABC-6A91-CE54-1E590D5F7506}"/>
               </a:ext>
             </a:extLst>
           </p:cNvPr>
@@ -4617,8 +4469,8 @@
         </p:blipFill>
         <p:spPr>
           <a:xfrm>
-            <a:off x="333513" y="766970"/>
-            <a:ext cx="9841194" cy="6091030"/>
+            <a:off x="265044" y="1115289"/>
+            <a:ext cx="7474226" cy="5742711"/>
           </a:xfrm>
           <a:prstGeom prst="rect">
             <a:avLst/>
@@ -4627,73 +4479,10 @@
       </p:pic>
       <p:sp>
         <p:nvSpPr>
-          <p:cNvPr id="10" name="Title 4">
-            <a:extLst>
-              <a:ext uri="{FF2B5EF4-FFF2-40B4-BE49-F238E27FC236}">
-                <a16:creationId xmlns:a16="http://schemas.microsoft.com/office/drawing/2014/main" id="{69581684-DC2B-70F3-77BC-7CD4D3C848AD}"/>
-              </a:ext>
-            </a:extLst>
-          </p:cNvPr>
-          <p:cNvSpPr>
-            <a:spLocks noGrp="1"/>
-          </p:cNvSpPr>
-          <p:nvPr>
-            <p:ph type="title"/>
-          </p:nvPr>
-        </p:nvSpPr>
-        <p:spPr>
-          <a:xfrm>
-            <a:off x="0" y="18255"/>
-            <a:ext cx="12192000" cy="1325563"/>
-          </a:xfrm>
-        </p:spPr>
-        <p:txBody>
-          <a:bodyPr/>
-          <a:lstStyle/>
-          <a:p>
-            <a:r>
-              <a:rPr lang="en-US" dirty="0"/>
-              <a:t>Sources of uncertainty</a:t>
-            </a:r>
-          </a:p>
-        </p:txBody>
-      </p:sp>
-      <p:pic>
-        <p:nvPicPr>
-          <p:cNvPr id="12" name="Picture 11">
-            <a:extLst>
-              <a:ext uri="{FF2B5EF4-FFF2-40B4-BE49-F238E27FC236}">
-                <a16:creationId xmlns:a16="http://schemas.microsoft.com/office/drawing/2014/main" id="{46255A78-C9FD-C30F-E482-AF194BFB52AC}"/>
-              </a:ext>
-            </a:extLst>
-          </p:cNvPr>
-          <p:cNvPicPr>
-            <a:picLocks noChangeAspect="1"/>
-          </p:cNvPicPr>
-          <p:nvPr/>
-        </p:nvPicPr>
-        <p:blipFill>
-          <a:blip r:embed="rId3"/>
-          <a:stretch>
-            <a:fillRect/>
-          </a:stretch>
-        </p:blipFill>
-        <p:spPr>
-          <a:xfrm>
-            <a:off x="10057296" y="2043509"/>
-            <a:ext cx="2108200" cy="1371600"/>
-          </a:xfrm>
-          <a:prstGeom prst="rect">
-            <a:avLst/>
-          </a:prstGeom>
-        </p:spPr>
-      </p:pic>
-      <p:sp>
-        <p:nvSpPr>
-          <p:cNvPr id="13" name="TextBox 12">
-            <a:extLst>
-              <a:ext uri="{FF2B5EF4-FFF2-40B4-BE49-F238E27FC236}">
-                <a16:creationId xmlns:a16="http://schemas.microsoft.com/office/drawing/2014/main" id="{14150D9B-4324-8217-4176-CCC123A50157}"/>
+          <p:cNvPr id="7" name="TextBox 6">
+            <a:extLst>
+              <a:ext uri="{FF2B5EF4-FFF2-40B4-BE49-F238E27FC236}">
+                <a16:creationId xmlns:a16="http://schemas.microsoft.com/office/drawing/2014/main" id="{812C6F03-3568-2BBF-014B-9126064BC416}"/>
               </a:ext>
             </a:extLst>
           </p:cNvPr>
@@ -4702,8 +4491,8 @@
         </p:nvSpPr>
         <p:spPr>
           <a:xfrm>
-            <a:off x="7706992" y="6470413"/>
-            <a:ext cx="3320140" cy="369332"/>
+            <a:off x="8004314" y="5639416"/>
+            <a:ext cx="4055166" cy="1200329"/>
           </a:xfrm>
           <a:prstGeom prst="rect">
             <a:avLst/>
@@ -4711,7 +4500,7 @@
           <a:noFill/>
         </p:spPr>
         <p:txBody>
-          <a:bodyPr wrap="none" rtlCol="0">
+          <a:bodyPr wrap="square" rtlCol="0">
             <a:spAutoFit/>
           </a:bodyPr>
           <a:lstStyle/>
@@ -4721,53 +4510,36 @@
                 <a:latin typeface="Times New Roman" panose="02020603050405020304" pitchFamily="18" charset="0"/>
                 <a:cs typeface="Times New Roman" panose="02020603050405020304" pitchFamily="18" charset="0"/>
               </a:rPr>
-              <a:t>Ch17_Uncertainty_Analysis.Rmd</a:t>
-            </a:r>
-          </a:p>
-        </p:txBody>
-      </p:sp>
-      <p:sp>
-        <p:nvSpPr>
-          <p:cNvPr id="14" name="TextBox 13">
-            <a:extLst>
-              <a:ext uri="{FF2B5EF4-FFF2-40B4-BE49-F238E27FC236}">
-                <a16:creationId xmlns:a16="http://schemas.microsoft.com/office/drawing/2014/main" id="{F5E472E9-9869-C2A3-254E-89B53DF72FF7}"/>
-              </a:ext>
-            </a:extLst>
-          </p:cNvPr>
-          <p:cNvSpPr txBox="1"/>
-          <p:nvPr/>
-        </p:nvSpPr>
-        <p:spPr>
-          <a:xfrm>
-            <a:off x="291547" y="6470413"/>
-            <a:ext cx="3506088" cy="369332"/>
-          </a:xfrm>
-          <a:prstGeom prst="rect">
-            <a:avLst/>
-          </a:prstGeom>
-          <a:noFill/>
-        </p:spPr>
-        <p:txBody>
-          <a:bodyPr wrap="none" rtlCol="0">
-            <a:spAutoFit/>
-          </a:bodyPr>
-          <a:lstStyle/>
+              <a:t>Weekly epidemiological summary. COVID-19 in Ontario: Focus on May 23, 2021 to</a:t>
+            </a:r>
+          </a:p>
           <a:p>
             <a:r>
               <a:rPr lang="en-US" dirty="0">
                 <a:latin typeface="Times New Roman" panose="02020603050405020304" pitchFamily="18" charset="0"/>
                 <a:cs typeface="Times New Roman" panose="02020603050405020304" pitchFamily="18" charset="0"/>
               </a:rPr>
-              <a:t>Dietz 2017. Ecological forecasting.</a:t>
-            </a:r>
+              <a:t>May 29, 2021. Public Health Ontario. </a:t>
+            </a:r>
+            <a:r>
+              <a:rPr lang="en-US" dirty="0">
+                <a:latin typeface="Times New Roman" panose="02020603050405020304" pitchFamily="18" charset="0"/>
+                <a:cs typeface="Times New Roman" panose="02020603050405020304" pitchFamily="18" charset="0"/>
+                <a:hlinkClick r:id="rId3"/>
+              </a:rPr>
+              <a:t>link</a:t>
+            </a:r>
+            <a:endParaRPr lang="en-US" dirty="0">
+              <a:latin typeface="Times New Roman" panose="02020603050405020304" pitchFamily="18" charset="0"/>
+              <a:cs typeface="Times New Roman" panose="02020603050405020304" pitchFamily="18" charset="0"/>
+            </a:endParaRPr>
           </a:p>
         </p:txBody>
       </p:sp>
     </p:spTree>
     <p:extLst>
       <p:ext uri="{BB962C8B-B14F-4D97-AF65-F5344CB8AC3E}">
-        <p14:creationId xmlns:p14="http://schemas.microsoft.com/office/powerpoint/2010/main" val="580040505"/>
+        <p14:creationId xmlns:p14="http://schemas.microsoft.com/office/powerpoint/2010/main" val="2044609264"/>
       </p:ext>
     </p:extLst>
   </p:cSld>
@@ -4796,10 +4568,10 @@
       </p:grpSpPr>
       <p:pic>
         <p:nvPicPr>
-          <p:cNvPr id="5" name="Picture 4">
-            <a:extLst>
-              <a:ext uri="{FF2B5EF4-FFF2-40B4-BE49-F238E27FC236}">
-                <a16:creationId xmlns:a16="http://schemas.microsoft.com/office/drawing/2014/main" id="{9FFB1711-2F3E-ACE6-AA85-03AB1BAD9320}"/>
+          <p:cNvPr id="4" name="Picture 3">
+            <a:extLst>
+              <a:ext uri="{FF2B5EF4-FFF2-40B4-BE49-F238E27FC236}">
+                <a16:creationId xmlns:a16="http://schemas.microsoft.com/office/drawing/2014/main" id="{C27DF1C7-7D39-A6F5-5F25-5942CBE56307}"/>
               </a:ext>
             </a:extLst>
           </p:cNvPr>
@@ -4816,8 +4588,8 @@
         </p:blipFill>
         <p:spPr>
           <a:xfrm>
-            <a:off x="1646159" y="1343818"/>
-            <a:ext cx="7865196" cy="5495927"/>
+            <a:off x="567081" y="710393"/>
+            <a:ext cx="9584083" cy="6147607"/>
           </a:xfrm>
           <a:prstGeom prst="rect">
             <a:avLst/>
@@ -4826,10 +4598,10 @@
       </p:pic>
       <p:sp>
         <p:nvSpPr>
-          <p:cNvPr id="8" name="Title 4">
-            <a:extLst>
-              <a:ext uri="{FF2B5EF4-FFF2-40B4-BE49-F238E27FC236}">
-                <a16:creationId xmlns:a16="http://schemas.microsoft.com/office/drawing/2014/main" id="{4EEFA912-686B-88F7-8080-01DAD6B9306F}"/>
+          <p:cNvPr id="5" name="Title 4">
+            <a:extLst>
+              <a:ext uri="{FF2B5EF4-FFF2-40B4-BE49-F238E27FC236}">
+                <a16:creationId xmlns:a16="http://schemas.microsoft.com/office/drawing/2014/main" id="{F2FE9AD3-F10F-EA37-F58B-84CF0CF4A60D}"/>
               </a:ext>
             </a:extLst>
           </p:cNvPr>
@@ -4840,29 +4612,24 @@
             <p:ph type="title"/>
           </p:nvPr>
         </p:nvSpPr>
-        <p:spPr>
-          <a:xfrm>
-            <a:off x="0" y="18255"/>
-            <a:ext cx="12192000" cy="1325563"/>
-          </a:xfrm>
-        </p:spPr>
+        <p:spPr/>
         <p:txBody>
           <a:bodyPr/>
           <a:lstStyle/>
           <a:p>
             <a:r>
               <a:rPr lang="en-US" dirty="0"/>
-              <a:t>Sources of uncertainty</a:t>
-            </a:r>
-          </a:p>
-        </p:txBody>
-      </p:sp>
-      <p:sp>
-        <p:nvSpPr>
-          <p:cNvPr id="9" name="TextBox 8">
-            <a:extLst>
-              <a:ext uri="{FF2B5EF4-FFF2-40B4-BE49-F238E27FC236}">
-                <a16:creationId xmlns:a16="http://schemas.microsoft.com/office/drawing/2014/main" id="{A3581A05-6C9E-F06B-172C-2E0CA4EB877C}"/>
+              <a:t>Deterministic forecast for site, s=6</a:t>
+            </a:r>
+          </a:p>
+        </p:txBody>
+      </p:sp>
+      <p:sp>
+        <p:nvSpPr>
+          <p:cNvPr id="8" name="TextBox 7">
+            <a:extLst>
+              <a:ext uri="{FF2B5EF4-FFF2-40B4-BE49-F238E27FC236}">
+                <a16:creationId xmlns:a16="http://schemas.microsoft.com/office/drawing/2014/main" id="{2A3C742F-7F9D-C461-DAAE-C08787EB47CE}"/>
               </a:ext>
             </a:extLst>
           </p:cNvPr>
@@ -4897,10 +4664,10 @@
       </p:sp>
       <p:sp>
         <p:nvSpPr>
-          <p:cNvPr id="10" name="TextBox 9">
-            <a:extLst>
-              <a:ext uri="{FF2B5EF4-FFF2-40B4-BE49-F238E27FC236}">
-                <a16:creationId xmlns:a16="http://schemas.microsoft.com/office/drawing/2014/main" id="{E52E05AA-CBAC-8376-C697-80C0EA942F72}"/>
+          <p:cNvPr id="9" name="TextBox 8">
+            <a:extLst>
+              <a:ext uri="{FF2B5EF4-FFF2-40B4-BE49-F238E27FC236}">
+                <a16:creationId xmlns:a16="http://schemas.microsoft.com/office/drawing/2014/main" id="{9BBFDA35-D20D-B131-F297-D712A9E4252D}"/>
               </a:ext>
             </a:extLst>
           </p:cNvPr>
@@ -4933,10 +4700,148 @@
           </a:p>
         </p:txBody>
       </p:sp>
+      <p:pic>
+        <p:nvPicPr>
+          <p:cNvPr id="2" name="Picture 1">
+            <a:extLst>
+              <a:ext uri="{FF2B5EF4-FFF2-40B4-BE49-F238E27FC236}">
+                <a16:creationId xmlns:a16="http://schemas.microsoft.com/office/drawing/2014/main" id="{44603F09-228A-4E9B-DF5B-A3BBF25DC949}"/>
+              </a:ext>
+            </a:extLst>
+          </p:cNvPr>
+          <p:cNvPicPr>
+            <a:picLocks noChangeAspect="1"/>
+          </p:cNvPicPr>
+          <p:nvPr/>
+        </p:nvPicPr>
+        <p:blipFill>
+          <a:blip r:embed="rId3"/>
+          <a:stretch>
+            <a:fillRect/>
+          </a:stretch>
+        </p:blipFill>
+        <p:spPr>
+          <a:xfrm>
+            <a:off x="2297099" y="4082534"/>
+            <a:ext cx="3798901" cy="419768"/>
+          </a:xfrm>
+          <a:prstGeom prst="rect">
+            <a:avLst/>
+          </a:prstGeom>
+        </p:spPr>
+      </p:pic>
+      <p:sp>
+        <p:nvSpPr>
+          <p:cNvPr id="3" name="TextBox 2">
+            <a:extLst>
+              <a:ext uri="{FF2B5EF4-FFF2-40B4-BE49-F238E27FC236}">
+                <a16:creationId xmlns:a16="http://schemas.microsoft.com/office/drawing/2014/main" id="{FDD7278C-B0A0-332A-2EBA-EAC8A6B88381}"/>
+              </a:ext>
+            </a:extLst>
+          </p:cNvPr>
+          <p:cNvSpPr txBox="1"/>
+          <p:nvPr/>
+        </p:nvSpPr>
+        <p:spPr>
+          <a:xfrm>
+            <a:off x="6555464" y="4040637"/>
+            <a:ext cx="1970411" cy="461665"/>
+          </a:xfrm>
+          <a:prstGeom prst="rect">
+            <a:avLst/>
+          </a:prstGeom>
+          <a:noFill/>
+        </p:spPr>
+        <p:txBody>
+          <a:bodyPr wrap="none" rtlCol="0">
+            <a:spAutoFit/>
+          </a:bodyPr>
+          <a:lstStyle/>
+          <a:p>
+            <a:r>
+              <a:rPr lang="en-US" sz="2400" dirty="0">
+                <a:latin typeface="Times New Roman" panose="02020603050405020304" pitchFamily="18" charset="0"/>
+                <a:cs typeface="Times New Roman" panose="02020603050405020304" pitchFamily="18" charset="0"/>
+              </a:rPr>
+              <a:t>Process model</a:t>
+            </a:r>
+          </a:p>
+        </p:txBody>
+      </p:sp>
+      <p:pic>
+        <p:nvPicPr>
+          <p:cNvPr id="11" name="Picture 10">
+            <a:extLst>
+              <a:ext uri="{FF2B5EF4-FFF2-40B4-BE49-F238E27FC236}">
+                <a16:creationId xmlns:a16="http://schemas.microsoft.com/office/drawing/2014/main" id="{C92407E6-6417-2479-BB70-2BBCE0582D76}"/>
+              </a:ext>
+            </a:extLst>
+          </p:cNvPr>
+          <p:cNvPicPr>
+            <a:picLocks noChangeAspect="1"/>
+          </p:cNvPicPr>
+          <p:nvPr/>
+        </p:nvPicPr>
+        <p:blipFill>
+          <a:blip r:embed="rId4"/>
+          <a:stretch>
+            <a:fillRect/>
+          </a:stretch>
+        </p:blipFill>
+        <p:spPr>
+          <a:xfrm>
+            <a:off x="2297099" y="4711700"/>
+            <a:ext cx="4258365" cy="316051"/>
+          </a:xfrm>
+          <a:prstGeom prst="rect">
+            <a:avLst/>
+          </a:prstGeom>
+        </p:spPr>
+      </p:pic>
+      <p:sp>
+        <p:nvSpPr>
+          <p:cNvPr id="12" name="TextBox 11">
+            <a:extLst>
+              <a:ext uri="{FF2B5EF4-FFF2-40B4-BE49-F238E27FC236}">
+                <a16:creationId xmlns:a16="http://schemas.microsoft.com/office/drawing/2014/main" id="{A41730DC-BEB4-781B-144B-77465C9DC070}"/>
+              </a:ext>
+            </a:extLst>
+          </p:cNvPr>
+          <p:cNvSpPr txBox="1"/>
+          <p:nvPr/>
+        </p:nvSpPr>
+        <p:spPr>
+          <a:xfrm>
+            <a:off x="6590676" y="4588993"/>
+            <a:ext cx="4718792" cy="461665"/>
+          </a:xfrm>
+          <a:prstGeom prst="rect">
+            <a:avLst/>
+          </a:prstGeom>
+          <a:solidFill>
+            <a:schemeClr val="bg1"/>
+          </a:solidFill>
+        </p:spPr>
+        <p:txBody>
+          <a:bodyPr wrap="none" rtlCol="0">
+            <a:spAutoFit/>
+          </a:bodyPr>
+          <a:lstStyle/>
+          <a:p>
+            <a:r>
+              <a:rPr lang="en-US" sz="2400" dirty="0">
+                <a:latin typeface="Times New Roman" panose="02020603050405020304" pitchFamily="18" charset="0"/>
+                <a:cs typeface="Times New Roman" panose="02020603050405020304" pitchFamily="18" charset="0"/>
+              </a:rPr>
+              <a:t>Random effect, driver (precipitation)</a:t>
+            </a:r>
+          </a:p>
+        </p:txBody>
+      </p:sp>
     </p:spTree>
     <p:extLst>
       <p:ext uri="{BB962C8B-B14F-4D97-AF65-F5344CB8AC3E}">
-        <p14:creationId xmlns:p14="http://schemas.microsoft.com/office/powerpoint/2010/main" val="2298756499"/>
+        <p14:creationId xmlns:p14="http://schemas.microsoft.com/office/powerpoint/2010/main" val="2556045400"/>
       </p:ext>
     </p:extLst>
   </p:cSld>
@@ -4963,6 +4868,374 @@
           <a:chExt cx="0" cy="0"/>
         </a:xfrm>
       </p:grpSpPr>
+      <p:pic>
+        <p:nvPicPr>
+          <p:cNvPr id="9" name="Picture 8">
+            <a:extLst>
+              <a:ext uri="{FF2B5EF4-FFF2-40B4-BE49-F238E27FC236}">
+                <a16:creationId xmlns:a16="http://schemas.microsoft.com/office/drawing/2014/main" id="{F4B8CA5F-24EE-6948-178C-5905EDBF4A9C}"/>
+              </a:ext>
+            </a:extLst>
+          </p:cNvPr>
+          <p:cNvPicPr>
+            <a:picLocks noChangeAspect="1"/>
+          </p:cNvPicPr>
+          <p:nvPr/>
+        </p:nvPicPr>
+        <p:blipFill>
+          <a:blip r:embed="rId2"/>
+          <a:stretch>
+            <a:fillRect/>
+          </a:stretch>
+        </p:blipFill>
+        <p:spPr>
+          <a:xfrm>
+            <a:off x="333513" y="766970"/>
+            <a:ext cx="9841194" cy="6091030"/>
+          </a:xfrm>
+          <a:prstGeom prst="rect">
+            <a:avLst/>
+          </a:prstGeom>
+        </p:spPr>
+      </p:pic>
+      <p:sp>
+        <p:nvSpPr>
+          <p:cNvPr id="10" name="Title 4">
+            <a:extLst>
+              <a:ext uri="{FF2B5EF4-FFF2-40B4-BE49-F238E27FC236}">
+                <a16:creationId xmlns:a16="http://schemas.microsoft.com/office/drawing/2014/main" id="{69581684-DC2B-70F3-77BC-7CD4D3C848AD}"/>
+              </a:ext>
+            </a:extLst>
+          </p:cNvPr>
+          <p:cNvSpPr>
+            <a:spLocks noGrp="1"/>
+          </p:cNvSpPr>
+          <p:nvPr>
+            <p:ph type="title"/>
+          </p:nvPr>
+        </p:nvSpPr>
+        <p:spPr>
+          <a:xfrm>
+            <a:off x="0" y="18255"/>
+            <a:ext cx="12192000" cy="1325563"/>
+          </a:xfrm>
+        </p:spPr>
+        <p:txBody>
+          <a:bodyPr/>
+          <a:lstStyle/>
+          <a:p>
+            <a:r>
+              <a:rPr lang="en-US" dirty="0"/>
+              <a:t>Sources of uncertainty</a:t>
+            </a:r>
+          </a:p>
+        </p:txBody>
+      </p:sp>
+      <p:pic>
+        <p:nvPicPr>
+          <p:cNvPr id="12" name="Picture 11">
+            <a:extLst>
+              <a:ext uri="{FF2B5EF4-FFF2-40B4-BE49-F238E27FC236}">
+                <a16:creationId xmlns:a16="http://schemas.microsoft.com/office/drawing/2014/main" id="{46255A78-C9FD-C30F-E482-AF194BFB52AC}"/>
+              </a:ext>
+            </a:extLst>
+          </p:cNvPr>
+          <p:cNvPicPr>
+            <a:picLocks noChangeAspect="1"/>
+          </p:cNvPicPr>
+          <p:nvPr/>
+        </p:nvPicPr>
+        <p:blipFill>
+          <a:blip r:embed="rId3"/>
+          <a:stretch>
+            <a:fillRect/>
+          </a:stretch>
+        </p:blipFill>
+        <p:spPr>
+          <a:xfrm>
+            <a:off x="10057296" y="2043509"/>
+            <a:ext cx="2108200" cy="1371600"/>
+          </a:xfrm>
+          <a:prstGeom prst="rect">
+            <a:avLst/>
+          </a:prstGeom>
+        </p:spPr>
+      </p:pic>
+      <p:sp>
+        <p:nvSpPr>
+          <p:cNvPr id="13" name="TextBox 12">
+            <a:extLst>
+              <a:ext uri="{FF2B5EF4-FFF2-40B4-BE49-F238E27FC236}">
+                <a16:creationId xmlns:a16="http://schemas.microsoft.com/office/drawing/2014/main" id="{14150D9B-4324-8217-4176-CCC123A50157}"/>
+              </a:ext>
+            </a:extLst>
+          </p:cNvPr>
+          <p:cNvSpPr txBox="1"/>
+          <p:nvPr/>
+        </p:nvSpPr>
+        <p:spPr>
+          <a:xfrm>
+            <a:off x="7706992" y="6470413"/>
+            <a:ext cx="3320140" cy="369332"/>
+          </a:xfrm>
+          <a:prstGeom prst="rect">
+            <a:avLst/>
+          </a:prstGeom>
+          <a:noFill/>
+        </p:spPr>
+        <p:txBody>
+          <a:bodyPr wrap="none" rtlCol="0">
+            <a:spAutoFit/>
+          </a:bodyPr>
+          <a:lstStyle/>
+          <a:p>
+            <a:r>
+              <a:rPr lang="en-US" dirty="0">
+                <a:latin typeface="Times New Roman" panose="02020603050405020304" pitchFamily="18" charset="0"/>
+                <a:cs typeface="Times New Roman" panose="02020603050405020304" pitchFamily="18" charset="0"/>
+              </a:rPr>
+              <a:t>Ch17_Uncertainty_Analysis.Rmd</a:t>
+            </a:r>
+          </a:p>
+        </p:txBody>
+      </p:sp>
+      <p:sp>
+        <p:nvSpPr>
+          <p:cNvPr id="14" name="TextBox 13">
+            <a:extLst>
+              <a:ext uri="{FF2B5EF4-FFF2-40B4-BE49-F238E27FC236}">
+                <a16:creationId xmlns:a16="http://schemas.microsoft.com/office/drawing/2014/main" id="{F5E472E9-9869-C2A3-254E-89B53DF72FF7}"/>
+              </a:ext>
+            </a:extLst>
+          </p:cNvPr>
+          <p:cNvSpPr txBox="1"/>
+          <p:nvPr/>
+        </p:nvSpPr>
+        <p:spPr>
+          <a:xfrm>
+            <a:off x="291547" y="6470413"/>
+            <a:ext cx="3506088" cy="369332"/>
+          </a:xfrm>
+          <a:prstGeom prst="rect">
+            <a:avLst/>
+          </a:prstGeom>
+          <a:noFill/>
+        </p:spPr>
+        <p:txBody>
+          <a:bodyPr wrap="none" rtlCol="0">
+            <a:spAutoFit/>
+          </a:bodyPr>
+          <a:lstStyle/>
+          <a:p>
+            <a:r>
+              <a:rPr lang="en-US" dirty="0">
+                <a:latin typeface="Times New Roman" panose="02020603050405020304" pitchFamily="18" charset="0"/>
+                <a:cs typeface="Times New Roman" panose="02020603050405020304" pitchFamily="18" charset="0"/>
+              </a:rPr>
+              <a:t>Dietz 2017. Ecological forecasting.</a:t>
+            </a:r>
+          </a:p>
+        </p:txBody>
+      </p:sp>
+    </p:spTree>
+    <p:extLst>
+      <p:ext uri="{BB962C8B-B14F-4D97-AF65-F5344CB8AC3E}">
+        <p14:creationId xmlns:p14="http://schemas.microsoft.com/office/powerpoint/2010/main" val="580040505"/>
+      </p:ext>
+    </p:extLst>
+  </p:cSld>
+  <p:clrMapOvr>
+    <a:masterClrMapping/>
+  </p:clrMapOvr>
+</p:sld>
+</file>
+
+<file path=ppt/slides/slide16.xml><?xml version="1.0" encoding="utf-8"?>
+<p:sld xmlns:a="http://schemas.openxmlformats.org/drawingml/2006/main" xmlns:r="http://schemas.openxmlformats.org/officeDocument/2006/relationships" xmlns:p="http://schemas.openxmlformats.org/presentationml/2006/main">
+  <p:cSld>
+    <p:spTree>
+      <p:nvGrpSpPr>
+        <p:cNvPr id="1" name=""/>
+        <p:cNvGrpSpPr/>
+        <p:nvPr/>
+      </p:nvGrpSpPr>
+      <p:grpSpPr>
+        <a:xfrm>
+          <a:off x="0" y="0"/>
+          <a:ext cx="0" cy="0"/>
+          <a:chOff x="0" y="0"/>
+          <a:chExt cx="0" cy="0"/>
+        </a:xfrm>
+      </p:grpSpPr>
+      <p:pic>
+        <p:nvPicPr>
+          <p:cNvPr id="5" name="Picture 4">
+            <a:extLst>
+              <a:ext uri="{FF2B5EF4-FFF2-40B4-BE49-F238E27FC236}">
+                <a16:creationId xmlns:a16="http://schemas.microsoft.com/office/drawing/2014/main" id="{9FFB1711-2F3E-ACE6-AA85-03AB1BAD9320}"/>
+              </a:ext>
+            </a:extLst>
+          </p:cNvPr>
+          <p:cNvPicPr>
+            <a:picLocks noChangeAspect="1"/>
+          </p:cNvPicPr>
+          <p:nvPr/>
+        </p:nvPicPr>
+        <p:blipFill>
+          <a:blip r:embed="rId2"/>
+          <a:stretch>
+            <a:fillRect/>
+          </a:stretch>
+        </p:blipFill>
+        <p:spPr>
+          <a:xfrm>
+            <a:off x="1646159" y="1343818"/>
+            <a:ext cx="7865196" cy="5495927"/>
+          </a:xfrm>
+          <a:prstGeom prst="rect">
+            <a:avLst/>
+          </a:prstGeom>
+        </p:spPr>
+      </p:pic>
+      <p:sp>
+        <p:nvSpPr>
+          <p:cNvPr id="8" name="Title 4">
+            <a:extLst>
+              <a:ext uri="{FF2B5EF4-FFF2-40B4-BE49-F238E27FC236}">
+                <a16:creationId xmlns:a16="http://schemas.microsoft.com/office/drawing/2014/main" id="{4EEFA912-686B-88F7-8080-01DAD6B9306F}"/>
+              </a:ext>
+            </a:extLst>
+          </p:cNvPr>
+          <p:cNvSpPr>
+            <a:spLocks noGrp="1"/>
+          </p:cNvSpPr>
+          <p:nvPr>
+            <p:ph type="title"/>
+          </p:nvPr>
+        </p:nvSpPr>
+        <p:spPr>
+          <a:xfrm>
+            <a:off x="0" y="18255"/>
+            <a:ext cx="12192000" cy="1325563"/>
+          </a:xfrm>
+        </p:spPr>
+        <p:txBody>
+          <a:bodyPr/>
+          <a:lstStyle/>
+          <a:p>
+            <a:r>
+              <a:rPr lang="en-US" dirty="0"/>
+              <a:t>Sources of uncertainty</a:t>
+            </a:r>
+          </a:p>
+        </p:txBody>
+      </p:sp>
+      <p:sp>
+        <p:nvSpPr>
+          <p:cNvPr id="9" name="TextBox 8">
+            <a:extLst>
+              <a:ext uri="{FF2B5EF4-FFF2-40B4-BE49-F238E27FC236}">
+                <a16:creationId xmlns:a16="http://schemas.microsoft.com/office/drawing/2014/main" id="{A3581A05-6C9E-F06B-172C-2E0CA4EB877C}"/>
+              </a:ext>
+            </a:extLst>
+          </p:cNvPr>
+          <p:cNvSpPr txBox="1"/>
+          <p:nvPr/>
+        </p:nvSpPr>
+        <p:spPr>
+          <a:xfrm>
+            <a:off x="7706992" y="6470413"/>
+            <a:ext cx="3320140" cy="369332"/>
+          </a:xfrm>
+          <a:prstGeom prst="rect">
+            <a:avLst/>
+          </a:prstGeom>
+          <a:noFill/>
+        </p:spPr>
+        <p:txBody>
+          <a:bodyPr wrap="none" rtlCol="0">
+            <a:spAutoFit/>
+          </a:bodyPr>
+          <a:lstStyle/>
+          <a:p>
+            <a:r>
+              <a:rPr lang="en-US" dirty="0">
+                <a:latin typeface="Times New Roman" panose="02020603050405020304" pitchFamily="18" charset="0"/>
+                <a:cs typeface="Times New Roman" panose="02020603050405020304" pitchFamily="18" charset="0"/>
+              </a:rPr>
+              <a:t>Ch17_Uncertainty_Analysis.Rmd</a:t>
+            </a:r>
+          </a:p>
+        </p:txBody>
+      </p:sp>
+      <p:sp>
+        <p:nvSpPr>
+          <p:cNvPr id="10" name="TextBox 9">
+            <a:extLst>
+              <a:ext uri="{FF2B5EF4-FFF2-40B4-BE49-F238E27FC236}">
+                <a16:creationId xmlns:a16="http://schemas.microsoft.com/office/drawing/2014/main" id="{E52E05AA-CBAC-8376-C697-80C0EA942F72}"/>
+              </a:ext>
+            </a:extLst>
+          </p:cNvPr>
+          <p:cNvSpPr txBox="1"/>
+          <p:nvPr/>
+        </p:nvSpPr>
+        <p:spPr>
+          <a:xfrm>
+            <a:off x="291547" y="6470413"/>
+            <a:ext cx="3506088" cy="369332"/>
+          </a:xfrm>
+          <a:prstGeom prst="rect">
+            <a:avLst/>
+          </a:prstGeom>
+          <a:noFill/>
+        </p:spPr>
+        <p:txBody>
+          <a:bodyPr wrap="none" rtlCol="0">
+            <a:spAutoFit/>
+          </a:bodyPr>
+          <a:lstStyle/>
+          <a:p>
+            <a:r>
+              <a:rPr lang="en-US" dirty="0">
+                <a:latin typeface="Times New Roman" panose="02020603050405020304" pitchFamily="18" charset="0"/>
+                <a:cs typeface="Times New Roman" panose="02020603050405020304" pitchFamily="18" charset="0"/>
+              </a:rPr>
+              <a:t>Dietz 2017. Ecological forecasting.</a:t>
+            </a:r>
+          </a:p>
+        </p:txBody>
+      </p:sp>
+    </p:spTree>
+    <p:extLst>
+      <p:ext uri="{BB962C8B-B14F-4D97-AF65-F5344CB8AC3E}">
+        <p14:creationId xmlns:p14="http://schemas.microsoft.com/office/powerpoint/2010/main" val="2298756499"/>
+      </p:ext>
+    </p:extLst>
+  </p:cSld>
+  <p:clrMapOvr>
+    <a:masterClrMapping/>
+  </p:clrMapOvr>
+</p:sld>
+</file>
+
+<file path=ppt/slides/slide17.xml><?xml version="1.0" encoding="utf-8"?>
+<p:sld xmlns:a="http://schemas.openxmlformats.org/drawingml/2006/main" xmlns:r="http://schemas.openxmlformats.org/officeDocument/2006/relationships" xmlns:p="http://schemas.openxmlformats.org/presentationml/2006/main">
+  <p:cSld>
+    <p:spTree>
+      <p:nvGrpSpPr>
+        <p:cNvPr id="1" name=""/>
+        <p:cNvGrpSpPr/>
+        <p:nvPr/>
+      </p:nvGrpSpPr>
+      <p:grpSpPr>
+        <a:xfrm>
+          <a:off x="0" y="0"/>
+          <a:ext cx="0" cy="0"/>
+          <a:chOff x="0" y="0"/>
+          <a:chExt cx="0" cy="0"/>
+        </a:xfrm>
+      </p:grpSpPr>
       <p:sp>
         <p:nvSpPr>
           <p:cNvPr id="2" name="Title 1">
@@ -5172,7 +5445,7 @@
 </p:sld>
 </file>
 
-<file path=ppt/slides/slide16.xml><?xml version="1.0" encoding="utf-8"?>
+<file path=ppt/slides/slide18.xml><?xml version="1.0" encoding="utf-8"?>
 <p:sld xmlns:a="http://schemas.openxmlformats.org/drawingml/2006/main" xmlns:r="http://schemas.openxmlformats.org/officeDocument/2006/relationships" xmlns:p="http://schemas.openxmlformats.org/presentationml/2006/main">
   <p:cSld>
     <p:spTree>
@@ -6416,75 +6689,10 @@
       </p:grpSpPr>
       <p:sp>
         <p:nvSpPr>
-          <p:cNvPr id="3" name="Content Placeholder 2">
-            <a:extLst>
-              <a:ext uri="{FF2B5EF4-FFF2-40B4-BE49-F238E27FC236}">
-                <a16:creationId xmlns:a16="http://schemas.microsoft.com/office/drawing/2014/main" id="{608659C5-08ED-6968-B50F-BABE2F896339}"/>
-              </a:ext>
-            </a:extLst>
-          </p:cNvPr>
-          <p:cNvSpPr>
-            <a:spLocks noGrp="1"/>
-          </p:cNvSpPr>
-          <p:nvPr>
-            <p:ph idx="1"/>
-          </p:nvPr>
-        </p:nvSpPr>
-        <p:spPr>
-          <a:xfrm>
-            <a:off x="982317" y="1472648"/>
-            <a:ext cx="10227365" cy="5126935"/>
-          </a:xfrm>
-        </p:spPr>
-        <p:txBody>
-          <a:bodyPr/>
-          <a:lstStyle/>
-          <a:p>
-            <a:r>
-              <a:rPr lang="en-US" dirty="0"/>
-              <a:t>Search the literature for 1 value or average</a:t>
-            </a:r>
-          </a:p>
-          <a:p>
-            <a:pPr lvl="1"/>
-            <a:r>
-              <a:rPr lang="en-US" dirty="0"/>
-              <a:t>Not rigorous</a:t>
-            </a:r>
-          </a:p>
-          <a:p>
-            <a:r>
-              <a:rPr lang="en-US" dirty="0"/>
-              <a:t>No or limited treatment of uncertainty in forecasts</a:t>
-            </a:r>
-          </a:p>
-          <a:p>
-            <a:pPr lvl="1"/>
-            <a:r>
-              <a:rPr lang="en-US" dirty="0"/>
-              <a:t>Some error sources overlooked, falsely confident predictions</a:t>
-            </a:r>
-          </a:p>
-          <a:p>
-            <a:r>
-              <a:rPr lang="en-US" dirty="0"/>
-              <a:t>Does not fit data</a:t>
-            </a:r>
-          </a:p>
-          <a:p>
-            <a:r>
-              <a:rPr lang="en-US" dirty="0"/>
-              <a:t>Disconnected from statistics</a:t>
-            </a:r>
-          </a:p>
-        </p:txBody>
-      </p:sp>
-      <p:sp>
-        <p:nvSpPr>
-          <p:cNvPr id="6" name="Title 1">
-            <a:extLst>
-              <a:ext uri="{FF2B5EF4-FFF2-40B4-BE49-F238E27FC236}">
-                <a16:creationId xmlns:a16="http://schemas.microsoft.com/office/drawing/2014/main" id="{A6749F85-F1EF-83E2-55B0-AC2B75813BE5}"/>
+          <p:cNvPr id="2" name="Title 1">
+            <a:extLst>
+              <a:ext uri="{FF2B5EF4-FFF2-40B4-BE49-F238E27FC236}">
+                <a16:creationId xmlns:a16="http://schemas.microsoft.com/office/drawing/2014/main" id="{386A790F-7AA3-A7E1-2F8C-100D69638E07}"/>
               </a:ext>
             </a:extLst>
           </p:cNvPr>
@@ -6507,10 +6715,109 @@
           </a:p>
         </p:txBody>
       </p:sp>
+      <p:sp>
+        <p:nvSpPr>
+          <p:cNvPr id="9" name="TextBox 8">
+            <a:extLst>
+              <a:ext uri="{FF2B5EF4-FFF2-40B4-BE49-F238E27FC236}">
+                <a16:creationId xmlns:a16="http://schemas.microsoft.com/office/drawing/2014/main" id="{FCAB6117-EF3B-C708-CC8B-BF37E8F26277}"/>
+              </a:ext>
+            </a:extLst>
+          </p:cNvPr>
+          <p:cNvSpPr txBox="1"/>
+          <p:nvPr/>
+        </p:nvSpPr>
+        <p:spPr>
+          <a:xfrm>
+            <a:off x="0" y="6488668"/>
+            <a:ext cx="11063221" cy="369332"/>
+          </a:xfrm>
+          <a:prstGeom prst="rect">
+            <a:avLst/>
+          </a:prstGeom>
+          <a:noFill/>
+        </p:spPr>
+        <p:txBody>
+          <a:bodyPr wrap="none" rtlCol="0">
+            <a:spAutoFit/>
+          </a:bodyPr>
+          <a:lstStyle/>
+          <a:p>
+            <a:r>
+              <a:rPr lang="en-US" dirty="0" err="1">
+                <a:latin typeface="Times New Roman" panose="02020603050405020304" pitchFamily="18" charset="0"/>
+                <a:cs typeface="Times New Roman" panose="02020603050405020304" pitchFamily="18" charset="0"/>
+              </a:rPr>
+              <a:t>Hurford</a:t>
+            </a:r>
+            <a:r>
+              <a:rPr lang="en-US" dirty="0">
+                <a:latin typeface="Times New Roman" panose="02020603050405020304" pitchFamily="18" charset="0"/>
+                <a:cs typeface="Times New Roman" panose="02020603050405020304" pitchFamily="18" charset="0"/>
+              </a:rPr>
+              <a:t> et al. 2021. </a:t>
+            </a:r>
+            <a:r>
+              <a:rPr lang="en-CA" dirty="0">
+                <a:latin typeface="Times New Roman" panose="02020603050405020304" pitchFamily="18" charset="0"/>
+                <a:cs typeface="Times New Roman" panose="02020603050405020304" pitchFamily="18" charset="0"/>
+              </a:rPr>
+              <a:t>Modelling the impact of travel restrictions on COVID-19 cases in Newfoundland and Labrador</a:t>
+            </a:r>
+          </a:p>
+        </p:txBody>
+      </p:sp>
+      <p:pic>
+        <p:nvPicPr>
+          <p:cNvPr id="1026" name="Picture 2" descr="Figure 2. ">
+            <a:extLst>
+              <a:ext uri="{FF2B5EF4-FFF2-40B4-BE49-F238E27FC236}">
+                <a16:creationId xmlns:a16="http://schemas.microsoft.com/office/drawing/2014/main" id="{1B05CC6D-0646-D692-B3DB-9B6DB1AE3F01}"/>
+              </a:ext>
+            </a:extLst>
+          </p:cNvPr>
+          <p:cNvPicPr>
+            <a:picLocks noChangeAspect="1" noChangeArrowheads="1"/>
+          </p:cNvPicPr>
+          <p:nvPr/>
+        </p:nvPicPr>
+        <p:blipFill>
+          <a:blip r:embed="rId2">
+            <a:extLst>
+              <a:ext uri="{28A0092B-C50C-407E-A947-70E740481C1C}">
+                <a14:useLocalDpi xmlns:a14="http://schemas.microsoft.com/office/drawing/2010/main" val="0"/>
+              </a:ext>
+            </a:extLst>
+          </a:blip>
+          <a:srcRect/>
+          <a:stretch>
+            <a:fillRect/>
+          </a:stretch>
+        </p:blipFill>
+        <p:spPr bwMode="auto">
+          <a:xfrm>
+            <a:off x="1796142" y="1093801"/>
+            <a:ext cx="7806192" cy="5111056"/>
+          </a:xfrm>
+          <a:prstGeom prst="rect">
+            <a:avLst/>
+          </a:prstGeom>
+          <a:noFill/>
+          <a:extLst>
+            <a:ext uri="{909E8E84-426E-40DD-AFC4-6F175D3DCCD1}">
+              <a14:hiddenFill xmlns:a14="http://schemas.microsoft.com/office/drawing/2010/main">
+                <a:solidFill>
+                  <a:srgbClr val="FFFFFF"/>
+                </a:solidFill>
+              </a14:hiddenFill>
+            </a:ext>
+          </a:extLst>
+        </p:spPr>
+      </p:pic>
     </p:spTree>
     <p:extLst>
       <p:ext uri="{BB962C8B-B14F-4D97-AF65-F5344CB8AC3E}">
-        <p14:creationId xmlns:p14="http://schemas.microsoft.com/office/powerpoint/2010/main" val="1658492931"/>
+        <p14:creationId xmlns:p14="http://schemas.microsoft.com/office/powerpoint/2010/main" val="3471268013"/>
       </p:ext>
     </p:extLst>
   </p:cSld>
